--- a/document.pptx
+++ b/document.pptx
@@ -6,8 +6,8 @@
   </p:sldMasterIdLst>
   <p:sldIdLst>
     <p:sldId id="256" r:id="rId2"/>
-    <p:sldId id="257" r:id="rId3"/>
-    <p:sldId id="258" r:id="rId4"/>
+    <p:sldId id="257" r:id="rId7"/>
+    <p:sldId id="258" r:id="rId8"/>
     <p:sldId id="259" r:id="rId9"/>
   </p:sldIdLst>
   <p:sldSz cx="12192000" cy="6858000"/>
@@ -2981,7 +2981,7 @@
         <p:spPr>
           <a:xfrm>
             <a:off x="0" y="0"/>
-            <a:ext cx="12192000" cy="953589"/>
+            <a:ext cx="12192000" cy="1219200"/>
           </a:xfrm>
           <a:prstGeom prst="rect">
             <a:avLst/>
@@ -3017,6 +3017,170 @@
           </a:p>
         </p:txBody>
       </p:sp>
+      <p:pic>
+        <p:nvPicPr>
+          <p:cNvPr id="3" name="Picture 2" descr="crie uma capa para o curso de graduação Finanças e Negócios da Fea- RP"/>
+          <p:cNvPicPr>
+            <a:picLocks noChangeAspect="1" noChangeArrowheads="1"/>
+          </p:cNvPicPr>
+          <p:nvPr/>
+        </p:nvPicPr>
+        <p:blipFill>
+          <a:blip r:embed="rId2" cstate="print">
+            <a:extLst>
+              <a:ext uri="{28A0092B-C50C-407E-A947-70E740481C1C}">
+                <a14:useLocalDpi xmlns:a14="http://schemas.microsoft.com/office/drawing/2010/main" val="0"/>
+              </a:ext>
+            </a:extLst>
+          </a:blip>
+          <a:srcRect/>
+          <a:stretch>
+            <a:fillRect/>
+          </a:stretch>
+        </p:blipFill>
+        <p:spPr bwMode="auto">
+          <a:xfrm>
+            <a:off x="521334" y="4530952"/>
+            <a:ext cx="1974351" cy="1974351"/>
+          </a:xfrm>
+          <a:prstGeom prst="rect">
+            <a:avLst/>
+          </a:prstGeom>
+          <a:noFill/>
+          <a:extLst>
+            <a:ext uri="{909E8E84-426E-40DD-AFC4-6F175D3DCCD1}">
+              <a14:hiddenFill xmlns:a14="http://schemas.microsoft.com/office/drawing/2010/main">
+                <a:solidFill>
+                  <a:srgbClr val="FFFFFF"/>
+                </a:solidFill>
+              </a14:hiddenFill>
+            </a:ext>
+          </a:extLst>
+        </p:spPr>
+      </p:pic>
+      <p:pic>
+        <p:nvPicPr>
+          <p:cNvPr id="4" name="Picture 4" descr="Crie uma logo profissional para o Pedro Sartori, um Cientista de dados que trabalha com inteligência artificial, formado em Engenharia Civil e cursando Finanças e Negócios"/>
+          <p:cNvPicPr>
+            <a:picLocks noChangeAspect="1" noChangeArrowheads="1"/>
+          </p:cNvPicPr>
+          <p:nvPr/>
+        </p:nvPicPr>
+        <p:blipFill>
+          <a:blip r:embed="rId3" cstate="print">
+            <a:extLst>
+              <a:ext uri="{28A0092B-C50C-407E-A947-70E740481C1C}">
+                <a14:useLocalDpi xmlns:a14="http://schemas.microsoft.com/office/drawing/2010/main" val="0"/>
+              </a:ext>
+            </a:extLst>
+          </a:blip>
+          <a:srcRect/>
+          <a:stretch>
+            <a:fillRect/>
+          </a:stretch>
+        </p:blipFill>
+        <p:spPr bwMode="auto">
+          <a:xfrm>
+            <a:off x="3378927" y="4395651"/>
+            <a:ext cx="2253343" cy="2253343"/>
+          </a:xfrm>
+          <a:prstGeom prst="rect">
+            <a:avLst/>
+          </a:prstGeom>
+          <a:noFill/>
+          <a:extLst>
+            <a:ext uri="{909E8E84-426E-40DD-AFC4-6F175D3DCCD1}">
+              <a14:hiddenFill xmlns:a14="http://schemas.microsoft.com/office/drawing/2010/main">
+                <a:solidFill>
+                  <a:srgbClr val="FFFFFF"/>
+                </a:solidFill>
+              </a14:hiddenFill>
+            </a:ext>
+          </a:extLst>
+        </p:spPr>
+      </p:pic>
+      <p:pic>
+        <p:nvPicPr>
+          <p:cNvPr id="5" name="Picture 6" descr="crie uma capa na cor vermelha ou verde sobre finanças e tecnologia"/>
+          <p:cNvPicPr>
+            <a:picLocks noChangeAspect="1" noChangeArrowheads="1"/>
+          </p:cNvPicPr>
+          <p:nvPr/>
+        </p:nvPicPr>
+        <p:blipFill>
+          <a:blip r:embed="rId4" cstate="print">
+            <a:extLst>
+              <a:ext uri="{28A0092B-C50C-407E-A947-70E740481C1C}">
+                <a14:useLocalDpi xmlns:a14="http://schemas.microsoft.com/office/drawing/2010/main" val="0"/>
+              </a:ext>
+            </a:extLst>
+          </a:blip>
+          <a:srcRect/>
+          <a:stretch>
+            <a:fillRect/>
+          </a:stretch>
+        </p:blipFill>
+        <p:spPr bwMode="auto">
+          <a:xfrm>
+            <a:off x="6791641" y="4472940"/>
+            <a:ext cx="2032363" cy="2032363"/>
+          </a:xfrm>
+          <a:prstGeom prst="rect">
+            <a:avLst/>
+          </a:prstGeom>
+          <a:noFill/>
+          <a:extLst>
+            <a:ext uri="{909E8E84-426E-40DD-AFC4-6F175D3DCCD1}">
+              <a14:hiddenFill xmlns:a14="http://schemas.microsoft.com/office/drawing/2010/main">
+                <a:solidFill>
+                  <a:srgbClr val="FFFFFF"/>
+                </a:solidFill>
+              </a14:hiddenFill>
+            </a:ext>
+          </a:extLst>
+        </p:spPr>
+      </p:pic>
+      <p:pic>
+        <p:nvPicPr>
+          <p:cNvPr id="6" name="Picture 8" descr="crie uma capa na cor vermelha ou verde sobre finanças e tecnologia"/>
+          <p:cNvPicPr>
+            <a:picLocks noChangeAspect="1" noChangeArrowheads="1"/>
+          </p:cNvPicPr>
+          <p:nvPr/>
+        </p:nvPicPr>
+        <p:blipFill>
+          <a:blip r:embed="rId5" cstate="print">
+            <a:extLst>
+              <a:ext uri="{28A0092B-C50C-407E-A947-70E740481C1C}">
+                <a14:useLocalDpi xmlns:a14="http://schemas.microsoft.com/office/drawing/2010/main" val="0"/>
+              </a:ext>
+            </a:extLst>
+          </a:blip>
+          <a:srcRect/>
+          <a:stretch>
+            <a:fillRect/>
+          </a:stretch>
+        </p:blipFill>
+        <p:spPr bwMode="auto">
+          <a:xfrm>
+            <a:off x="9928226" y="4530952"/>
+            <a:ext cx="1897062" cy="1897062"/>
+          </a:xfrm>
+          <a:prstGeom prst="rect">
+            <a:avLst/>
+          </a:prstGeom>
+          <a:noFill/>
+          <a:extLst>
+            <a:ext uri="{909E8E84-426E-40DD-AFC4-6F175D3DCCD1}">
+              <a14:hiddenFill xmlns:a14="http://schemas.microsoft.com/office/drawing/2010/main">
+                <a:solidFill>
+                  <a:srgbClr val="FFFFFF"/>
+                </a:solidFill>
+              </a14:hiddenFill>
+            </a:ext>
+          </a:extLst>
+        </p:spPr>
+      </p:pic>
     </p:spTree>
     <p:extLst>
       <p:ext uri="{BB962C8B-B14F-4D97-AF65-F5344CB8AC3E}">
@@ -3047,39 +3211,33 @@
           <a:chExt cx="0" cy="0"/>
         </a:xfrm>
       </p:grpSpPr>
-      <p:sp>
-        <p:nvSpPr>
-          <p:cNvPr id="2" name="Título 1"/>
-          <p:cNvSpPr>
-            <a:spLocks noGrp="1"/>
-          </p:cNvSpPr>
-          <p:nvPr>
-            <p:ph type="title"/>
-          </p:nvPr>
-        </p:nvSpPr>
+      <p:pic>
+        <p:nvPicPr>
+          <p:cNvPr id="2" name="" descr=""/>
+          <p:cNvPicPr>
+            <a:picLocks noGrp="1"/>
+          </p:cNvPicPr>
+          <p:nvPr>
+            <p:ph/>
+          </p:nvPr>
+        </p:nvPicPr>
+        <p:blipFill>
+          <a:blip cstate="print" r:embed="rId2"/>
+          <a:stretch>
+            <a:fillRect/>
+          </a:stretch>
+        </p:blipFill>
         <p:spPr>
           <a:xfrm>
-            <a:off x="838200" y="365125"/>
-            <a:ext cx="10515600" cy="1325563"/>
+            <a:off x="3352800" y="914400"/>
+            <a:ext cx="5486400" cy="5486400"/>
           </a:xfrm>
+          <a:prstGeom prst="rect">
+            <a:avLst/>
+          </a:prstGeom>
         </p:spPr>
-        <p:txBody>
-          <a:bodyPr/>
-          <a:lstStyle/>
-          <a:p>
-            <a:r>
-              <a:rPr/>
-              <a:t>Hello man</a:t>
-            </a:r>
-          </a:p>
-        </p:txBody>
-      </p:sp>
+      </p:pic>
     </p:spTree>
-    <p:extLst>
-      <p:ext uri="{BB962C8B-B14F-4D97-AF65-F5344CB8AC3E}">
-        <p14:creationId xmlns:p14="http://schemas.microsoft.com/office/powerpoint/2010/main" val="788948332"/>
-      </p:ext>
-    </p:extLst>
   </p:cSld>
   <p:clrMapOvr>
     <a:masterClrMapping/>
@@ -3104,12 +3262,226 @@
           <a:chExt cx="0" cy="0"/>
         </a:xfrm>
       </p:grpSpPr>
+      <p:graphicFrame>
+        <p:nvGraphicFramePr>
+          <p:cNvPr id="2" name=""/>
+          <p:cNvGraphicFramePr>
+            <a:graphicFrameLocks noGrp="1"/>
+          </p:cNvGraphicFramePr>
+          <p:nvPr>
+            <p:ph/>
+          </p:nvPr>
+        </p:nvGraphicFramePr>
+        <p:xfrm rot="-0">
+          <a:off x="2438400" y="914400"/>
+          <a:ext cx="7315200" cy="1828800"/>
+        </p:xfrm>
+        <a:graphic>
+          <a:graphicData uri="http://schemas.openxmlformats.org/drawingml/2006/table">
+            <a:tbl>
+              <a:tblPr firstRow="1" lastRow="0" firstColumn="0" lastColumn="0" bandRow="1" bandCol="0">
+                <a:tableStyleId>{5C22544A-7EE6-4342-B048-85BDC9FD1C3A}</a:tableStyleId>
+              </a:tblPr>
+              <a:tblGrid>
+                <a:gridCol w="2438400"/>
+                <a:gridCol w="2438400"/>
+                <a:gridCol w="2438400"/>
+              </a:tblGrid>
+              <a:tr h="457200">
+                <a:tc>
+                  <a:txBody>
+                    <a:bodyPr/>
+                    <a:lstStyle/>
+                    <a:p>
+                      <a:pPr algn="r"/>
+                      <a:r>
+                        <a:t>Nome</a:t>
+                      </a:r>
+                    </a:p>
+                  </a:txBody>
+                </a:tc>
+                <a:tc>
+                  <a:txBody>
+                    <a:bodyPr/>
+                    <a:lstStyle/>
+                    <a:p>
+                      <a:pPr algn="r"/>
+                      <a:r>
+                        <a:t>QS5</a:t>
+                      </a:r>
+                    </a:p>
+                  </a:txBody>
+                </a:tc>
+                <a:tc>
+                  <a:txBody>
+                    <a:bodyPr/>
+                    <a:lstStyle/>
+                    <a:p>
+                      <a:pPr algn="r"/>
+                      <a:r>
+                        <a:t>QS3</a:t>
+                      </a:r>
+                    </a:p>
+                  </a:txBody>
+                </a:tc>
+              </a:tr>
+              <a:tr h="457200">
+                <a:tc>
+                  <a:txBody>
+                    <a:bodyPr/>
+                    <a:lstStyle/>
+                    <a:p>
+                      <a:pPr algn="r"/>
+                      <a:r>
+                        <a:t>Adelier Store</a:t>
+                      </a:r>
+                    </a:p>
+                  </a:txBody>
+                </a:tc>
+                <a:tc>
+                  <a:txBody>
+                    <a:bodyPr/>
+                    <a:lstStyle/>
+                    <a:p>
+                      <a:pPr algn="r"/>
+                      <a:r>
+                        <a:t>2.31</a:t>
+                      </a:r>
+                    </a:p>
+                  </a:txBody>
+                </a:tc>
+                <a:tc>
+                  <a:txBody>
+                    <a:bodyPr/>
+                    <a:lstStyle/>
+                    <a:p>
+                      <a:pPr algn="r"/>
+                      <a:r>
+                        <a:t>234</a:t>
+                      </a:r>
+                    </a:p>
+                  </a:txBody>
+                </a:tc>
+              </a:tr>
+              <a:tr h="457200">
+                <a:tc>
+                  <a:txBody>
+                    <a:bodyPr/>
+                    <a:lstStyle/>
+                    <a:p>
+                      <a:pPr algn="r"/>
+                      <a:r>
+                        <a:t>Biribi F.C.</a:t>
+                      </a:r>
+                    </a:p>
+                  </a:txBody>
+                </a:tc>
+                <a:tc>
+                  <a:txBody>
+                    <a:bodyPr/>
+                    <a:lstStyle/>
+                    <a:p>
+                      <a:pPr algn="r"/>
+                      <a:r>
+                        <a:t>1.77</a:t>
+                      </a:r>
+                    </a:p>
+                  </a:txBody>
+                </a:tc>
+                <a:tc>
+                  <a:txBody>
+                    <a:bodyPr/>
+                    <a:lstStyle/>
+                    <a:p>
+                      <a:pPr algn="r"/>
+                      <a:r>
+                        <a:t>211</a:t>
+                      </a:r>
+                    </a:p>
+                  </a:txBody>
+                </a:tc>
+              </a:tr>
+              <a:tr h="457200">
+                <a:tc>
+                  <a:txBody>
+                    <a:bodyPr/>
+                    <a:lstStyle/>
+                    <a:p>
+                      <a:pPr algn="r"/>
+                      <a:r>
+                        <a:t>Bar Do Martinez</a:t>
+                      </a:r>
+                    </a:p>
+                  </a:txBody>
+                </a:tc>
+                <a:tc>
+                  <a:txBody>
+                    <a:bodyPr/>
+                    <a:lstStyle/>
+                    <a:p>
+                      <a:pPr algn="r"/>
+                      <a:r>
+                        <a:t>1.56</a:t>
+                      </a:r>
+                    </a:p>
+                  </a:txBody>
+                </a:tc>
+                <a:tc>
+                  <a:txBody>
+                    <a:bodyPr/>
+                    <a:lstStyle/>
+                    <a:p>
+                      <a:pPr algn="r"/>
+                      <a:r>
+                        <a:t>232</a:t>
+                      </a:r>
+                    </a:p>
+                  </a:txBody>
+                </a:tc>
+              </a:tr>
+              <a:tr h="457200">
+                <a:tc>
+                  <a:txBody>
+                    <a:bodyPr/>
+                    <a:lstStyle/>
+                    <a:p>
+                      <a:pPr algn="r"/>
+                      <a:r>
+                        <a:t>Jangada Pizza Bar</a:t>
+                      </a:r>
+                    </a:p>
+                  </a:txBody>
+                </a:tc>
+                <a:tc>
+                  <a:txBody>
+                    <a:bodyPr/>
+                    <a:lstStyle/>
+                    <a:p>
+                      <a:pPr algn="r"/>
+                      <a:r>
+                        <a:t>3.22</a:t>
+                      </a:r>
+                    </a:p>
+                  </a:txBody>
+                </a:tc>
+                <a:tc>
+                  <a:txBody>
+                    <a:bodyPr/>
+                    <a:lstStyle/>
+                    <a:p>
+                      <a:pPr algn="r"/>
+                      <a:r>
+                        <a:t>121</a:t>
+                      </a:r>
+                    </a:p>
+                  </a:txBody>
+                </a:tc>
+              </a:tr>
+            </a:tbl>
+          </a:graphicData>
+        </a:graphic>
+      </p:graphicFrame>
     </p:spTree>
-    <p:extLst>
-      <p:ext uri="{BB962C8B-B14F-4D97-AF65-F5344CB8AC3E}">
-        <p14:creationId xmlns:p14="http://schemas.microsoft.com/office/powerpoint/2010/main" val="2022976391"/>
-      </p:ext>
-    </p:extLst>
   </p:cSld>
   <p:clrMapOvr>
     <a:masterClrMapping/>
@@ -3134,6 +3506,32 @@
           <a:chExt cx="0" cy="0"/>
         </a:xfrm>
       </p:grpSpPr>
+      <p:pic>
+        <p:nvPicPr>
+          <p:cNvPr id="2" name="" descr=""/>
+          <p:cNvPicPr>
+            <a:picLocks noGrp="1"/>
+          </p:cNvPicPr>
+          <p:nvPr>
+            <p:ph/>
+          </p:nvPr>
+        </p:nvPicPr>
+        <p:blipFill>
+          <a:blip cstate="print" r:embed="rId2"/>
+          <a:stretch>
+            <a:fillRect/>
+          </a:stretch>
+        </p:blipFill>
+        <p:spPr>
+          <a:xfrm>
+            <a:off x="9144000" y="457200"/>
+            <a:ext cx="1920240" cy="5486400"/>
+          </a:xfrm>
+          <a:prstGeom prst="rect">
+            <a:avLst/>
+          </a:prstGeom>
+        </p:spPr>
+      </p:pic>
     </p:spTree>
   </p:cSld>
   <p:clrMapOvr>

--- a/document.pptx
+++ b/document.pptx
@@ -7,8 +7,6 @@
   <p:sldIdLst>
     <p:sldId id="256" r:id="rId2"/>
     <p:sldId id="257" r:id="rId7"/>
-    <p:sldId id="258" r:id="rId8"/>
-    <p:sldId id="259" r:id="rId9"/>
   </p:sldIdLst>
   <p:sldSz cx="12192000" cy="6858000"/>
   <p:notesSz cx="6858000" cy="9144000"/>
@@ -3229,303 +3227,8 @@
         </p:blipFill>
         <p:spPr>
           <a:xfrm>
-            <a:off x="3352800" y="914400"/>
-            <a:ext cx="5486400" cy="5486400"/>
-          </a:xfrm>
-          <a:prstGeom prst="rect">
-            <a:avLst/>
-          </a:prstGeom>
-        </p:spPr>
-      </p:pic>
-    </p:spTree>
-  </p:cSld>
-  <p:clrMapOvr>
-    <a:masterClrMapping/>
-  </p:clrMapOvr>
-</p:sld>
-</file>
-
-<file path=ppt/slides/slide3.xml><?xml version="1.0" encoding="utf-8"?>
-<p:sld xmlns:a="http://schemas.openxmlformats.org/drawingml/2006/main" xmlns:r="http://schemas.openxmlformats.org/officeDocument/2006/relationships" xmlns:p="http://schemas.openxmlformats.org/presentationml/2006/main">
-  <p:cSld>
-    <p:spTree>
-      <p:nvGrpSpPr>
-        <p:cNvPr id="1" name=""/>
-        <p:cNvGrpSpPr/>
-        <p:nvPr/>
-      </p:nvGrpSpPr>
-      <p:grpSpPr>
-        <a:xfrm>
-          <a:off x="0" y="0"/>
-          <a:ext cx="0" cy="0"/>
-          <a:chOff x="0" y="0"/>
-          <a:chExt cx="0" cy="0"/>
-        </a:xfrm>
-      </p:grpSpPr>
-      <p:graphicFrame>
-        <p:nvGraphicFramePr>
-          <p:cNvPr id="2" name=""/>
-          <p:cNvGraphicFramePr>
-            <a:graphicFrameLocks noGrp="1"/>
-          </p:cNvGraphicFramePr>
-          <p:nvPr>
-            <p:ph/>
-          </p:nvPr>
-        </p:nvGraphicFramePr>
-        <p:xfrm rot="-0">
-          <a:off x="2438400" y="914400"/>
-          <a:ext cx="7315200" cy="1828800"/>
-        </p:xfrm>
-        <a:graphic>
-          <a:graphicData uri="http://schemas.openxmlformats.org/drawingml/2006/table">
-            <a:tbl>
-              <a:tblPr firstRow="1" lastRow="0" firstColumn="0" lastColumn="0" bandRow="1" bandCol="0">
-                <a:tableStyleId>{5C22544A-7EE6-4342-B048-85BDC9FD1C3A}</a:tableStyleId>
-              </a:tblPr>
-              <a:tblGrid>
-                <a:gridCol w="2438400"/>
-                <a:gridCol w="2438400"/>
-                <a:gridCol w="2438400"/>
-              </a:tblGrid>
-              <a:tr h="457200">
-                <a:tc>
-                  <a:txBody>
-                    <a:bodyPr/>
-                    <a:lstStyle/>
-                    <a:p>
-                      <a:pPr algn="r"/>
-                      <a:r>
-                        <a:t>Nome</a:t>
-                      </a:r>
-                    </a:p>
-                  </a:txBody>
-                </a:tc>
-                <a:tc>
-                  <a:txBody>
-                    <a:bodyPr/>
-                    <a:lstStyle/>
-                    <a:p>
-                      <a:pPr algn="r"/>
-                      <a:r>
-                        <a:t>QS5</a:t>
-                      </a:r>
-                    </a:p>
-                  </a:txBody>
-                </a:tc>
-                <a:tc>
-                  <a:txBody>
-                    <a:bodyPr/>
-                    <a:lstStyle/>
-                    <a:p>
-                      <a:pPr algn="r"/>
-                      <a:r>
-                        <a:t>QS3</a:t>
-                      </a:r>
-                    </a:p>
-                  </a:txBody>
-                </a:tc>
-              </a:tr>
-              <a:tr h="457200">
-                <a:tc>
-                  <a:txBody>
-                    <a:bodyPr/>
-                    <a:lstStyle/>
-                    <a:p>
-                      <a:pPr algn="r"/>
-                      <a:r>
-                        <a:t>Adelier Store</a:t>
-                      </a:r>
-                    </a:p>
-                  </a:txBody>
-                </a:tc>
-                <a:tc>
-                  <a:txBody>
-                    <a:bodyPr/>
-                    <a:lstStyle/>
-                    <a:p>
-                      <a:pPr algn="r"/>
-                      <a:r>
-                        <a:t>2.31</a:t>
-                      </a:r>
-                    </a:p>
-                  </a:txBody>
-                </a:tc>
-                <a:tc>
-                  <a:txBody>
-                    <a:bodyPr/>
-                    <a:lstStyle/>
-                    <a:p>
-                      <a:pPr algn="r"/>
-                      <a:r>
-                        <a:t>234</a:t>
-                      </a:r>
-                    </a:p>
-                  </a:txBody>
-                </a:tc>
-              </a:tr>
-              <a:tr h="457200">
-                <a:tc>
-                  <a:txBody>
-                    <a:bodyPr/>
-                    <a:lstStyle/>
-                    <a:p>
-                      <a:pPr algn="r"/>
-                      <a:r>
-                        <a:t>Biribi F.C.</a:t>
-                      </a:r>
-                    </a:p>
-                  </a:txBody>
-                </a:tc>
-                <a:tc>
-                  <a:txBody>
-                    <a:bodyPr/>
-                    <a:lstStyle/>
-                    <a:p>
-                      <a:pPr algn="r"/>
-                      <a:r>
-                        <a:t>1.77</a:t>
-                      </a:r>
-                    </a:p>
-                  </a:txBody>
-                </a:tc>
-                <a:tc>
-                  <a:txBody>
-                    <a:bodyPr/>
-                    <a:lstStyle/>
-                    <a:p>
-                      <a:pPr algn="r"/>
-                      <a:r>
-                        <a:t>211</a:t>
-                      </a:r>
-                    </a:p>
-                  </a:txBody>
-                </a:tc>
-              </a:tr>
-              <a:tr h="457200">
-                <a:tc>
-                  <a:txBody>
-                    <a:bodyPr/>
-                    <a:lstStyle/>
-                    <a:p>
-                      <a:pPr algn="r"/>
-                      <a:r>
-                        <a:t>Bar Do Martinez</a:t>
-                      </a:r>
-                    </a:p>
-                  </a:txBody>
-                </a:tc>
-                <a:tc>
-                  <a:txBody>
-                    <a:bodyPr/>
-                    <a:lstStyle/>
-                    <a:p>
-                      <a:pPr algn="r"/>
-                      <a:r>
-                        <a:t>1.56</a:t>
-                      </a:r>
-                    </a:p>
-                  </a:txBody>
-                </a:tc>
-                <a:tc>
-                  <a:txBody>
-                    <a:bodyPr/>
-                    <a:lstStyle/>
-                    <a:p>
-                      <a:pPr algn="r"/>
-                      <a:r>
-                        <a:t>232</a:t>
-                      </a:r>
-                    </a:p>
-                  </a:txBody>
-                </a:tc>
-              </a:tr>
-              <a:tr h="457200">
-                <a:tc>
-                  <a:txBody>
-                    <a:bodyPr/>
-                    <a:lstStyle/>
-                    <a:p>
-                      <a:pPr algn="r"/>
-                      <a:r>
-                        <a:t>Jangada Pizza Bar</a:t>
-                      </a:r>
-                    </a:p>
-                  </a:txBody>
-                </a:tc>
-                <a:tc>
-                  <a:txBody>
-                    <a:bodyPr/>
-                    <a:lstStyle/>
-                    <a:p>
-                      <a:pPr algn="r"/>
-                      <a:r>
-                        <a:t>3.22</a:t>
-                      </a:r>
-                    </a:p>
-                  </a:txBody>
-                </a:tc>
-                <a:tc>
-                  <a:txBody>
-                    <a:bodyPr/>
-                    <a:lstStyle/>
-                    <a:p>
-                      <a:pPr algn="r"/>
-                      <a:r>
-                        <a:t>121</a:t>
-                      </a:r>
-                    </a:p>
-                  </a:txBody>
-                </a:tc>
-              </a:tr>
-            </a:tbl>
-          </a:graphicData>
-        </a:graphic>
-      </p:graphicFrame>
-    </p:spTree>
-  </p:cSld>
-  <p:clrMapOvr>
-    <a:masterClrMapping/>
-  </p:clrMapOvr>
-</p:sld>
-</file>
-
-<file path=ppt/slides/slide4.xml><?xml version="1.0" encoding="utf-8"?>
-<p:sld xmlns:a="http://schemas.openxmlformats.org/drawingml/2006/main" xmlns:r="http://schemas.openxmlformats.org/officeDocument/2006/relationships" xmlns:p="http://schemas.openxmlformats.org/presentationml/2006/main">
-  <p:cSld>
-    <p:spTree>
-      <p:nvGrpSpPr>
-        <p:cNvPr id="1" name=""/>
-        <p:cNvGrpSpPr/>
-        <p:nvPr/>
-      </p:nvGrpSpPr>
-      <p:grpSpPr>
-        <a:xfrm>
-          <a:off x="0" y="0"/>
-          <a:ext cx="0" cy="0"/>
-          <a:chOff x="0" y="0"/>
-          <a:chExt cx="0" cy="0"/>
-        </a:xfrm>
-      </p:grpSpPr>
-      <p:pic>
-        <p:nvPicPr>
-          <p:cNvPr id="2" name="" descr=""/>
-          <p:cNvPicPr>
-            <a:picLocks noGrp="1"/>
-          </p:cNvPicPr>
-          <p:nvPr>
-            <p:ph/>
-          </p:nvPr>
-        </p:nvPicPr>
-        <p:blipFill>
-          <a:blip cstate="print" r:embed="rId2"/>
-          <a:stretch>
-            <a:fillRect/>
-          </a:stretch>
-        </p:blipFill>
-        <p:spPr>
-          <a:xfrm>
-            <a:off x="9144000" y="457200"/>
-            <a:ext cx="1920240" cy="5486400"/>
+            <a:off x="457200" y="457200"/>
+            <a:ext cx="11277600" cy="5943600"/>
           </a:xfrm>
           <a:prstGeom prst="rect">
             <a:avLst/>
